--- a/Slides/06_Lecture.pptx
+++ b/Slides/06_Lecture.pptx
@@ -210,7 +210,7 @@
           <a:p>
             <a:fld id="{16136E8F-1965-6C44-A7B5-03BB9B497561}" type="datetimeFigureOut">
               <a:rPr lang="en-GB" smtClean="0"/>
-              <a:t>23/09/2017</a:t>
+              <a:t>31/10/2017</a:t>
             </a:fld>
             <a:endParaRPr lang="en-GB"/>
           </a:p>
@@ -609,7 +609,7 @@
           <a:p>
             <a:fld id="{C380D008-60B2-0246-B113-8E855462598C}" type="datetimeFigureOut">
               <a:rPr lang="en-GB" smtClean="0"/>
-              <a:t>23/09/2017</a:t>
+              <a:t>31/10/2017</a:t>
             </a:fld>
             <a:endParaRPr lang="en-GB"/>
           </a:p>
@@ -774,7 +774,7 @@
           <a:p>
             <a:fld id="{C380D008-60B2-0246-B113-8E855462598C}" type="datetimeFigureOut">
               <a:rPr lang="en-GB" smtClean="0"/>
-              <a:t>23/09/2017</a:t>
+              <a:t>31/10/2017</a:t>
             </a:fld>
             <a:endParaRPr lang="en-GB"/>
           </a:p>
@@ -949,7 +949,7 @@
           <a:p>
             <a:fld id="{C380D008-60B2-0246-B113-8E855462598C}" type="datetimeFigureOut">
               <a:rPr lang="en-GB" smtClean="0"/>
-              <a:t>23/09/2017</a:t>
+              <a:t>31/10/2017</a:t>
             </a:fld>
             <a:endParaRPr lang="en-GB"/>
           </a:p>
@@ -1114,7 +1114,7 @@
           <a:p>
             <a:fld id="{C380D008-60B2-0246-B113-8E855462598C}" type="datetimeFigureOut">
               <a:rPr lang="en-GB" smtClean="0"/>
-              <a:t>23/09/2017</a:t>
+              <a:t>31/10/2017</a:t>
             </a:fld>
             <a:endParaRPr lang="en-GB"/>
           </a:p>
@@ -1353,7 +1353,7 @@
           <a:p>
             <a:fld id="{C380D008-60B2-0246-B113-8E855462598C}" type="datetimeFigureOut">
               <a:rPr lang="en-GB" smtClean="0"/>
-              <a:t>23/09/2017</a:t>
+              <a:t>31/10/2017</a:t>
             </a:fld>
             <a:endParaRPr lang="en-GB"/>
           </a:p>
@@ -1580,7 +1580,7 @@
           <a:p>
             <a:fld id="{C380D008-60B2-0246-B113-8E855462598C}" type="datetimeFigureOut">
               <a:rPr lang="en-GB" smtClean="0"/>
-              <a:t>23/09/2017</a:t>
+              <a:t>31/10/2017</a:t>
             </a:fld>
             <a:endParaRPr lang="en-GB"/>
           </a:p>
@@ -1942,7 +1942,7 @@
           <a:p>
             <a:fld id="{C380D008-60B2-0246-B113-8E855462598C}" type="datetimeFigureOut">
               <a:rPr lang="en-GB" smtClean="0"/>
-              <a:t>23/09/2017</a:t>
+              <a:t>31/10/2017</a:t>
             </a:fld>
             <a:endParaRPr lang="en-GB"/>
           </a:p>
@@ -2055,7 +2055,7 @@
           <a:p>
             <a:fld id="{C380D008-60B2-0246-B113-8E855462598C}" type="datetimeFigureOut">
               <a:rPr lang="en-GB" smtClean="0"/>
-              <a:t>23/09/2017</a:t>
+              <a:t>31/10/2017</a:t>
             </a:fld>
             <a:endParaRPr lang="en-GB"/>
           </a:p>
@@ -2145,7 +2145,7 @@
           <a:p>
             <a:fld id="{C380D008-60B2-0246-B113-8E855462598C}" type="datetimeFigureOut">
               <a:rPr lang="en-GB" smtClean="0"/>
-              <a:t>23/09/2017</a:t>
+              <a:t>31/10/2017</a:t>
             </a:fld>
             <a:endParaRPr lang="en-GB"/>
           </a:p>
@@ -2417,7 +2417,7 @@
           <a:p>
             <a:fld id="{C380D008-60B2-0246-B113-8E855462598C}" type="datetimeFigureOut">
               <a:rPr lang="en-GB" smtClean="0"/>
-              <a:t>23/09/2017</a:t>
+              <a:t>31/10/2017</a:t>
             </a:fld>
             <a:endParaRPr lang="en-GB"/>
           </a:p>
@@ -2669,7 +2669,7 @@
           <a:p>
             <a:fld id="{C380D008-60B2-0246-B113-8E855462598C}" type="datetimeFigureOut">
               <a:rPr lang="en-GB" smtClean="0"/>
-              <a:t>23/09/2017</a:t>
+              <a:t>31/10/2017</a:t>
             </a:fld>
             <a:endParaRPr lang="en-GB"/>
           </a:p>
@@ -2877,7 +2877,7 @@
           <a:p>
             <a:fld id="{C380D008-60B2-0246-B113-8E855462598C}" type="datetimeFigureOut">
               <a:rPr lang="en-GB" smtClean="0"/>
-              <a:t>23/09/2017</a:t>
+              <a:t>31/10/2017</a:t>
             </a:fld>
             <a:endParaRPr lang="en-GB"/>
           </a:p>
@@ -3524,8 +3524,32 @@
               <a:buNone/>
             </a:pPr>
             <a:r>
-              <a:rPr lang="en-GB" smtClean="0"/>
-              <a:t>Alex D Singleton, Seth E Spielman, David C Folch (2017) Urban Analytics. London: Sage.</a:t>
+              <a:rPr lang="en-GB" dirty="0" smtClean="0"/>
+              <a:t>Alex D. Singleton, Seth E. </a:t>
+            </a:r>
+            <a:r>
+              <a:rPr lang="en-GB" dirty="0" err="1" smtClean="0"/>
+              <a:t>Spielman</a:t>
+            </a:r>
+            <a:r>
+              <a:rPr lang="en-GB" dirty="0" smtClean="0"/>
+              <a:t>, David C. </a:t>
+            </a:r>
+            <a:r>
+              <a:rPr lang="en-GB" dirty="0" err="1" smtClean="0"/>
+              <a:t>Folch</a:t>
+            </a:r>
+            <a:r>
+              <a:rPr lang="en-GB" dirty="0" smtClean="0"/>
+              <a:t> (2017) </a:t>
+            </a:r>
+            <a:r>
+              <a:rPr lang="en-GB" i="1" dirty="0" smtClean="0"/>
+              <a:t>Urban Analytics</a:t>
+            </a:r>
+            <a:r>
+              <a:rPr lang="en-GB" dirty="0" smtClean="0"/>
+              <a:t>. London: Sage.</a:t>
             </a:r>
             <a:endParaRPr lang="en-GB" dirty="0"/>
           </a:p>
@@ -3730,15 +3754,15 @@
         </p:nvSpPr>
         <p:spPr>
           <a:xfrm>
-            <a:off x="4249270" y="5961808"/>
-            <a:ext cx="4572000" cy="738664"/>
+            <a:off x="1181819" y="6099830"/>
+            <a:ext cx="7639451" cy="523220"/>
           </a:xfrm>
           <a:prstGeom prst="rect">
             <a:avLst/>
           </a:prstGeom>
         </p:spPr>
         <p:txBody>
-          <a:bodyPr>
+          <a:bodyPr wrap="square">
             <a:spAutoFit/>
           </a:bodyPr>
           <a:lstStyle/>
@@ -3762,8 +3786,12 @@
           </a:p>
           <a:p>
             <a:r>
+              <a:rPr lang="en-GB" sz="1400" i="1" dirty="0"/>
+              <a:t>Source</a:t>
+            </a:r>
+            <a:r>
               <a:rPr lang="en-GB" sz="1400" dirty="0"/>
-              <a:t>Source: </a:t>
+              <a:t>: </a:t>
             </a:r>
             <a:r>
               <a:rPr lang="en-GB" sz="1400" dirty="0" err="1"/>
@@ -3871,7 +3899,6 @@
               <a:rPr lang="en-US" dirty="0"/>
               <a:t>a user to pan a map seamlessly in the client browser at various levels of zoom </a:t>
             </a:r>
-            <a:endParaRPr lang="en-US" dirty="0"/>
           </a:p>
           <a:p>
             <a:pPr lvl="1"/>
@@ -3895,7 +3922,6 @@
               <a:rPr lang="en-US" dirty="0"/>
               <a:t>of these tile layers may be altered depending on the intended scale (zoom) </a:t>
             </a:r>
-            <a:endParaRPr lang="en-US" dirty="0"/>
           </a:p>
           <a:p>
             <a:pPr lvl="1"/>
@@ -3999,15 +4025,15 @@
         </p:nvSpPr>
         <p:spPr>
           <a:xfrm>
-            <a:off x="4365812" y="5933134"/>
-            <a:ext cx="4572000" cy="738664"/>
+            <a:off x="1104181" y="5933134"/>
+            <a:ext cx="7833631" cy="523220"/>
           </a:xfrm>
           <a:prstGeom prst="rect">
             <a:avLst/>
           </a:prstGeom>
         </p:spPr>
         <p:txBody>
-          <a:bodyPr>
+          <a:bodyPr wrap="square">
             <a:spAutoFit/>
           </a:bodyPr>
           <a:lstStyle/>
@@ -4065,8 +4091,8 @@
           <a:lstStyle/>
           <a:p>
             <a:r>
-              <a:rPr lang="en-GB" dirty="0" smtClean="0"/>
-              <a:t>Conclusion</a:t>
+              <a:rPr lang="en-GB" smtClean="0"/>
+              <a:t>Conclusions</a:t>
             </a:r>
             <a:endParaRPr lang="en-GB" dirty="0"/>
           </a:p>
@@ -4101,8 +4127,12 @@
           <a:p>
             <a:pPr lvl="1"/>
             <a:r>
+              <a:rPr lang="en-GB" smtClean="0"/>
+              <a:t>Vector v </a:t>
+            </a:r>
+            <a:r>
               <a:rPr lang="en-GB" dirty="0" smtClean="0"/>
-              <a:t>Vector V Raster</a:t>
+              <a:t>Raster</a:t>
             </a:r>
           </a:p>
           <a:p>
@@ -4190,11 +4220,7 @@
           <a:p>
             <a:r>
               <a:rPr lang="en-US" dirty="0" smtClean="0"/>
-              <a:t>What is the need for g</a:t>
-            </a:r>
-            <a:r>
-              <a:rPr lang="en-US" dirty="0" smtClean="0"/>
-              <a:t>eneralization?</a:t>
+              <a:t>What is the need for generalization?</a:t>
             </a:r>
           </a:p>
           <a:p>
@@ -4472,8 +4498,8 @@
         </p:nvSpPr>
         <p:spPr>
           <a:xfrm>
-            <a:off x="6785112" y="6338403"/>
-            <a:ext cx="2095445" cy="307777"/>
+            <a:off x="3114136" y="6338403"/>
+            <a:ext cx="2553419" cy="492443"/>
           </a:xfrm>
           <a:prstGeom prst="rect">
             <a:avLst/>
@@ -4481,7 +4507,7 @@
           <a:noFill/>
         </p:spPr>
         <p:txBody>
-          <a:bodyPr wrap="none" rtlCol="0">
+          <a:bodyPr wrap="square" rtlCol="0">
             <a:spAutoFit/>
           </a:bodyPr>
           <a:lstStyle/>
@@ -4498,7 +4524,17 @@
               <a:rPr lang="en-GB" sz="1400" dirty="0" smtClean="0"/>
               <a:t> A modern GIS GUI</a:t>
             </a:r>
-            <a:endParaRPr lang="en-GB" sz="1400" dirty="0"/>
+          </a:p>
+          <a:p>
+            <a:r>
+              <a:rPr lang="en-GB" sz="1050" dirty="0" smtClean="0"/>
+              <a:t>All content licensed under </a:t>
+            </a:r>
+            <a:r>
+              <a:rPr lang="en-GB" sz="1200" dirty="0"/>
+              <a:t>CC BY-SA 3.0</a:t>
+            </a:r>
+            <a:endParaRPr lang="en-GB" sz="1050" dirty="0" smtClean="0"/>
           </a:p>
         </p:txBody>
       </p:sp>
@@ -4567,7 +4603,9 @@
         </p:nvSpPr>
         <p:spPr/>
         <p:txBody>
-          <a:bodyPr/>
+          <a:bodyPr>
+            <a:normAutofit lnSpcReduction="10000"/>
+          </a:bodyPr>
           <a:lstStyle/>
           <a:p>
             <a:r>
@@ -4614,9 +4652,44 @@
             </a:r>
             <a:r>
               <a:rPr lang="en-US" dirty="0"/>
-              <a:t>requirements (how the resulting maps will be used) and the practicality or feasibility of data capture </a:t>
-            </a:r>
-            <a:endParaRPr lang="en-US" dirty="0"/>
+              <a:t>requirements (how </a:t>
+            </a:r>
+            <a:endParaRPr lang="en-US" dirty="0" smtClean="0"/>
+          </a:p>
+          <a:p>
+            <a:pPr marL="457200" lvl="1" indent="0">
+              <a:buNone/>
+            </a:pPr>
+            <a:r>
+              <a:rPr lang="en-US" dirty="0"/>
+              <a:t> </a:t>
+            </a:r>
+            <a:r>
+              <a:rPr lang="en-US" dirty="0" smtClean="0"/>
+              <a:t>   the </a:t>
+            </a:r>
+            <a:r>
+              <a:rPr lang="en-US" dirty="0"/>
+              <a:t>resulting maps will be used) and the practicality </a:t>
+            </a:r>
+            <a:endParaRPr lang="en-US" dirty="0" smtClean="0"/>
+          </a:p>
+          <a:p>
+            <a:pPr marL="457200" lvl="1" indent="0">
+              <a:buNone/>
+            </a:pPr>
+            <a:r>
+              <a:rPr lang="en-US" dirty="0"/>
+              <a:t> </a:t>
+            </a:r>
+            <a:r>
+              <a:rPr lang="en-US" dirty="0" smtClean="0"/>
+              <a:t>   or </a:t>
+            </a:r>
+            <a:r>
+              <a:rPr lang="en-US" dirty="0"/>
+              <a:t>feasibility of data capture </a:t>
+            </a:r>
           </a:p>
           <a:p>
             <a:pPr lvl="1"/>
@@ -4732,7 +4805,15 @@
             </a:r>
             <a:r>
               <a:rPr lang="en-US" i="1" dirty="0"/>
-              <a:t>points, lines</a:t>
+              <a:t>points</a:t>
+            </a:r>
+            <a:r>
+              <a:rPr lang="en-US" dirty="0"/>
+              <a:t>,</a:t>
+            </a:r>
+            <a:r>
+              <a:rPr lang="en-US" i="1" dirty="0"/>
+              <a:t> lines</a:t>
             </a:r>
             <a:r>
               <a:rPr lang="en-US" dirty="0"/>
@@ -4750,7 +4831,6 @@
               <a:rPr lang="en-US" dirty="0"/>
               <a:t>A raster data model presents an alternate representation called a field view, which comprises an overlay grid across the entirety of a geographic extent </a:t>
             </a:r>
-            <a:endParaRPr lang="en-US" dirty="0"/>
           </a:p>
           <a:p>
             <a:pPr lvl="1"/>
@@ -4852,15 +4932,15 @@
         </p:nvSpPr>
         <p:spPr>
           <a:xfrm>
-            <a:off x="4353339" y="5767842"/>
-            <a:ext cx="4572000" cy="738664"/>
+            <a:off x="1224951" y="5767842"/>
+            <a:ext cx="6625087" cy="523220"/>
           </a:xfrm>
           <a:prstGeom prst="rect">
             <a:avLst/>
           </a:prstGeom>
         </p:spPr>
         <p:txBody>
-          <a:bodyPr>
+          <a:bodyPr wrap="square">
             <a:spAutoFit/>
           </a:bodyPr>
           <a:lstStyle/>
@@ -4873,16 +4953,20 @@
               <a:rPr lang="en-GB" sz="1400" dirty="0"/>
             </a:br>
             <a:r>
+              <a:rPr lang="en-GB" sz="1400" i="1" dirty="0"/>
+              <a:t>Source</a:t>
+            </a:r>
+            <a:r>
               <a:rPr lang="en-GB" sz="1400" dirty="0"/>
-              <a:t>Source: authors’ own; data – </a:t>
-            </a:r>
-            <a:r>
-              <a:rPr lang="en-GB" sz="1400" dirty="0" err="1"/>
-              <a:t>www.openstreetmap.org</a:t>
+              <a:t>: authors’ own; data – www.openstreetmap.org, </a:t>
+            </a:r>
+            <a:r>
+              <a:rPr lang="en-GB" sz="1400" dirty="0" smtClean="0"/>
+              <a:t>© </a:t>
             </a:r>
             <a:r>
               <a:rPr lang="en-GB" sz="1400" dirty="0"/>
-              <a:t>,  copyright </a:t>
+              <a:t>copyright </a:t>
             </a:r>
             <a:r>
               <a:rPr lang="en-GB" sz="1400" dirty="0" err="1" smtClean="0"/>
@@ -4978,15 +5062,15 @@
         </p:nvSpPr>
         <p:spPr>
           <a:xfrm>
-            <a:off x="4843670" y="5942567"/>
-            <a:ext cx="4572000" cy="738664"/>
+            <a:off x="1725283" y="6187764"/>
+            <a:ext cx="6564702" cy="523220"/>
           </a:xfrm>
           <a:prstGeom prst="rect">
             <a:avLst/>
           </a:prstGeom>
         </p:spPr>
         <p:txBody>
-          <a:bodyPr>
+          <a:bodyPr wrap="square">
             <a:spAutoFit/>
           </a:bodyPr>
           <a:lstStyle/>
@@ -5003,23 +5087,33 @@
               <a:rPr lang="en-GB" sz="1400" dirty="0"/>
             </a:br>
             <a:r>
+              <a:rPr lang="en-GB" sz="1400" i="1" dirty="0"/>
+              <a:t>Source</a:t>
+            </a:r>
+            <a:r>
               <a:rPr lang="en-GB" sz="1400" dirty="0"/>
-              <a:t>Source: authors’ own; data – </a:t>
-            </a:r>
-            <a:r>
-              <a:rPr lang="en-GB" sz="1400" dirty="0" err="1"/>
+              <a:t>: </a:t>
+            </a:r>
+            <a:r>
+              <a:rPr lang="en-GB" sz="1400" dirty="0" smtClean="0"/>
+              <a:t>Authors</a:t>
+            </a:r>
+            <a:r>
+              <a:rPr lang="en-GB" sz="1400" dirty="0"/>
+              <a:t>’ own; data – </a:t>
+            </a:r>
+            <a:r>
+              <a:rPr lang="en-GB" sz="1400" dirty="0">
+                <a:hlinkClick r:id="rId3"/>
+              </a:rPr>
               <a:t>www.openstreetmap.org</a:t>
             </a:r>
             <a:r>
-              <a:rPr lang="en-GB" sz="1400" dirty="0"/>
-              <a:t>, </a:t>
-            </a:r>
-            <a:r>
               <a:rPr lang="en-GB" sz="1400" dirty="0" smtClean="0"/>
-              <a:t> </a:t>
-            </a:r>
-            <a:r>
-              <a:rPr lang="en-GB" sz="1400" dirty="0"/>
+              <a:t>, © </a:t>
+            </a:r>
+            <a:r>
+              <a:rPr lang="en-GB" sz="1400" dirty="0" smtClean="0"/>
               <a:t>copyright </a:t>
             </a:r>
             <a:r>
@@ -5249,8 +5343,55 @@
             </a:r>
             <a:r>
               <a:rPr lang="en-GB" sz="1400" dirty="0"/>
-              <a:t>raster data model used to illustrate population density in Guangzhou, Shenzhen, and Hong Kong, china </a:t>
-            </a:r>
+              <a:t>raster data model used to illustrate population density in Guangzhou, Shenzhen, and Hong Kong, C</a:t>
+            </a:r>
+            <a:r>
+              <a:rPr lang="en-GB" sz="1400" dirty="0" smtClean="0"/>
+              <a:t>hina</a:t>
+            </a:r>
+          </a:p>
+        </p:txBody>
+      </p:sp>
+      <p:sp>
+        <p:nvSpPr>
+          <p:cNvPr id="3" name="TextBox 2"/>
+          <p:cNvSpPr txBox="1"/>
+          <p:nvPr/>
+        </p:nvSpPr>
+        <p:spPr>
+          <a:xfrm>
+            <a:off x="295772" y="6138370"/>
+            <a:ext cx="4051604" cy="707886"/>
+          </a:xfrm>
+          <a:prstGeom prst="rect">
+            <a:avLst/>
+          </a:prstGeom>
+          <a:noFill/>
+        </p:spPr>
+        <p:txBody>
+          <a:bodyPr wrap="square" rtlCol="0">
+            <a:spAutoFit/>
+          </a:bodyPr>
+          <a:lstStyle/>
+          <a:p>
+            <a:r>
+              <a:rPr lang="en-GB" sz="1050" i="1" dirty="0"/>
+              <a:t>Source</a:t>
+            </a:r>
+            <a:r>
+              <a:rPr lang="en-GB" sz="1050" dirty="0"/>
+              <a:t>: Authors own; Data: European Commission Global Human Settlement Layer </a:t>
+            </a:r>
+            <a:r>
+              <a:rPr lang="en-GB" sz="1050" u="sng" dirty="0">
+                <a:hlinkClick r:id="rId3"/>
+              </a:rPr>
+              <a:t>http://ghsl.jrc.ec.europa.eu/</a:t>
+            </a:r>
+            <a:endParaRPr lang="en-GB" sz="900" dirty="0"/>
+          </a:p>
+          <a:p>
+            <a:endParaRPr lang="en-GB" dirty="0"/>
           </a:p>
         </p:txBody>
       </p:sp>
